--- a/ppt 16-9/0712.主爱化我心.pptx
+++ b/ppt 16-9/0712.主爱化我心.pptx
@@ -5,7 +5,7 @@
     <p:sldMasterId id="2147483648" r:id="rId1"/>
   </p:sldMasterIdLst>
   <p:sldIdLst>
-    <p:sldId id="1942" r:id="rId2"/>
+    <p:sldId id="1943" r:id="rId2"/>
   </p:sldIdLst>
   <p:sldSz cx="12192000" cy="6858000"/>
   <p:notesSz cx="6858000" cy="9144000"/>
@@ -129,7 +129,7 @@
           <p:cNvPr id="2" name="标题 1">
             <a:extLst>
               <a:ext uri="{FF2B5EF4-FFF2-40B4-BE49-F238E27FC236}">
-                <a16:creationId xmlns:a16="http://schemas.microsoft.com/office/drawing/2014/main" id="{980D05AF-5520-ED67-C284-222AC1B0ABB0}"/>
+                <a16:creationId xmlns:a16="http://schemas.microsoft.com/office/drawing/2014/main" id="{C56292A0-C4A1-1B38-6D8E-CBDE23B6428D}"/>
               </a:ext>
             </a:extLst>
           </p:cNvPr>
@@ -166,7 +166,7 @@
           <p:cNvPr id="3" name="副标题 2">
             <a:extLst>
               <a:ext uri="{FF2B5EF4-FFF2-40B4-BE49-F238E27FC236}">
-                <a16:creationId xmlns:a16="http://schemas.microsoft.com/office/drawing/2014/main" id="{B705641A-3356-594D-7FA8-6FFC8CA6582B}"/>
+                <a16:creationId xmlns:a16="http://schemas.microsoft.com/office/drawing/2014/main" id="{8B54EBB1-AFDB-D680-0244-C30803A3F57C}"/>
               </a:ext>
             </a:extLst>
           </p:cNvPr>
@@ -236,7 +236,7 @@
           <p:cNvPr id="4" name="日期占位符 3">
             <a:extLst>
               <a:ext uri="{FF2B5EF4-FFF2-40B4-BE49-F238E27FC236}">
-                <a16:creationId xmlns:a16="http://schemas.microsoft.com/office/drawing/2014/main" id="{684301CE-1404-5C9D-1A1F-1EE196DAE781}"/>
+                <a16:creationId xmlns:a16="http://schemas.microsoft.com/office/drawing/2014/main" id="{0C4D5917-368A-555B-5F52-86FE98B31E58}"/>
               </a:ext>
             </a:extLst>
           </p:cNvPr>
@@ -252,7 +252,7 @@
           <a:bodyPr/>
           <a:lstStyle/>
           <a:p>
-            <a:fld id="{99F0EC5E-ECF4-4500-9979-C25E4C8F04D1}" type="datetimeFigureOut">
+            <a:fld id="{BE59B0F9-CF4C-4BB1-A8A8-E4AE1BA6CFC5}" type="datetimeFigureOut">
               <a:rPr lang="zh-CN" altLang="en-US" smtClean="0"/>
               <a:t>2024/3/10</a:t>
             </a:fld>
@@ -265,7 +265,7 @@
           <p:cNvPr id="5" name="页脚占位符 4">
             <a:extLst>
               <a:ext uri="{FF2B5EF4-FFF2-40B4-BE49-F238E27FC236}">
-                <a16:creationId xmlns:a16="http://schemas.microsoft.com/office/drawing/2014/main" id="{BC2399CC-D81C-DE8B-8897-F35627795E46}"/>
+                <a16:creationId xmlns:a16="http://schemas.microsoft.com/office/drawing/2014/main" id="{57AAF622-51D8-42B5-7B8D-B60127B98D73}"/>
               </a:ext>
             </a:extLst>
           </p:cNvPr>
@@ -290,7 +290,7 @@
           <p:cNvPr id="6" name="灯片编号占位符 5">
             <a:extLst>
               <a:ext uri="{FF2B5EF4-FFF2-40B4-BE49-F238E27FC236}">
-                <a16:creationId xmlns:a16="http://schemas.microsoft.com/office/drawing/2014/main" id="{F8141BA6-728A-D673-2A80-A44CE6EA1EA9}"/>
+                <a16:creationId xmlns:a16="http://schemas.microsoft.com/office/drawing/2014/main" id="{40F9E684-FFF1-CE2F-F5BA-C24C387846F0}"/>
               </a:ext>
             </a:extLst>
           </p:cNvPr>
@@ -306,7 +306,7 @@
           <a:bodyPr/>
           <a:lstStyle/>
           <a:p>
-            <a:fld id="{12ED12DA-F120-4988-943F-0BA86386E470}" type="slidenum">
+            <a:fld id="{014410FD-4F9F-48F0-8953-F9ADDEC56134}" type="slidenum">
               <a:rPr lang="zh-CN" altLang="en-US" smtClean="0"/>
               <a:t>‹#›</a:t>
             </a:fld>
@@ -317,7 +317,7 @@
     </p:spTree>
     <p:extLst>
       <p:ext uri="{BB962C8B-B14F-4D97-AF65-F5344CB8AC3E}">
-        <p14:creationId xmlns:p14="http://schemas.microsoft.com/office/powerpoint/2010/main" val="1487938531"/>
+        <p14:creationId xmlns:p14="http://schemas.microsoft.com/office/powerpoint/2010/main" val="1011502173"/>
       </p:ext>
     </p:extLst>
   </p:cSld>
@@ -349,7 +349,7 @@
           <p:cNvPr id="2" name="标题 1">
             <a:extLst>
               <a:ext uri="{FF2B5EF4-FFF2-40B4-BE49-F238E27FC236}">
-                <a16:creationId xmlns:a16="http://schemas.microsoft.com/office/drawing/2014/main" id="{6808C544-B528-E8DE-4ED1-0C841FF0E1F1}"/>
+                <a16:creationId xmlns:a16="http://schemas.microsoft.com/office/drawing/2014/main" id="{3709836B-BBCD-CE5F-435F-A71721F4CA16}"/>
               </a:ext>
             </a:extLst>
           </p:cNvPr>
@@ -377,7 +377,7 @@
           <p:cNvPr id="3" name="竖排文字占位符 2">
             <a:extLst>
               <a:ext uri="{FF2B5EF4-FFF2-40B4-BE49-F238E27FC236}">
-                <a16:creationId xmlns:a16="http://schemas.microsoft.com/office/drawing/2014/main" id="{C16DCDB1-6DC8-681D-5E39-53A12D4834C6}"/>
+                <a16:creationId xmlns:a16="http://schemas.microsoft.com/office/drawing/2014/main" id="{F9C943C5-8C77-E207-C743-289F60E17901}"/>
               </a:ext>
             </a:extLst>
           </p:cNvPr>
@@ -434,7 +434,7 @@
           <p:cNvPr id="4" name="日期占位符 3">
             <a:extLst>
               <a:ext uri="{FF2B5EF4-FFF2-40B4-BE49-F238E27FC236}">
-                <a16:creationId xmlns:a16="http://schemas.microsoft.com/office/drawing/2014/main" id="{9D76C0FD-1ABC-B97A-A174-DFC0D086BE8A}"/>
+                <a16:creationId xmlns:a16="http://schemas.microsoft.com/office/drawing/2014/main" id="{1034E75F-63C1-AF73-F2DB-BF63020A0BDD}"/>
               </a:ext>
             </a:extLst>
           </p:cNvPr>
@@ -450,7 +450,7 @@
           <a:bodyPr/>
           <a:lstStyle/>
           <a:p>
-            <a:fld id="{99F0EC5E-ECF4-4500-9979-C25E4C8F04D1}" type="datetimeFigureOut">
+            <a:fld id="{BE59B0F9-CF4C-4BB1-A8A8-E4AE1BA6CFC5}" type="datetimeFigureOut">
               <a:rPr lang="zh-CN" altLang="en-US" smtClean="0"/>
               <a:t>2024/3/10</a:t>
             </a:fld>
@@ -463,7 +463,7 @@
           <p:cNvPr id="5" name="页脚占位符 4">
             <a:extLst>
               <a:ext uri="{FF2B5EF4-FFF2-40B4-BE49-F238E27FC236}">
-                <a16:creationId xmlns:a16="http://schemas.microsoft.com/office/drawing/2014/main" id="{715709BC-5F7B-2356-5ED9-408056AA841C}"/>
+                <a16:creationId xmlns:a16="http://schemas.microsoft.com/office/drawing/2014/main" id="{2482B227-5C69-633C-03AC-2335E29D3941}"/>
               </a:ext>
             </a:extLst>
           </p:cNvPr>
@@ -488,7 +488,7 @@
           <p:cNvPr id="6" name="灯片编号占位符 5">
             <a:extLst>
               <a:ext uri="{FF2B5EF4-FFF2-40B4-BE49-F238E27FC236}">
-                <a16:creationId xmlns:a16="http://schemas.microsoft.com/office/drawing/2014/main" id="{EA19772F-1E7C-F2DD-7F68-07F0D5F11B80}"/>
+                <a16:creationId xmlns:a16="http://schemas.microsoft.com/office/drawing/2014/main" id="{1B43F022-CE55-D0CA-DEDC-887AEA838DF3}"/>
               </a:ext>
             </a:extLst>
           </p:cNvPr>
@@ -504,7 +504,7 @@
           <a:bodyPr/>
           <a:lstStyle/>
           <a:p>
-            <a:fld id="{12ED12DA-F120-4988-943F-0BA86386E470}" type="slidenum">
+            <a:fld id="{014410FD-4F9F-48F0-8953-F9ADDEC56134}" type="slidenum">
               <a:rPr lang="zh-CN" altLang="en-US" smtClean="0"/>
               <a:t>‹#›</a:t>
             </a:fld>
@@ -515,7 +515,7 @@
     </p:spTree>
     <p:extLst>
       <p:ext uri="{BB962C8B-B14F-4D97-AF65-F5344CB8AC3E}">
-        <p14:creationId xmlns:p14="http://schemas.microsoft.com/office/powerpoint/2010/main" val="1010853022"/>
+        <p14:creationId xmlns:p14="http://schemas.microsoft.com/office/powerpoint/2010/main" val="2592766282"/>
       </p:ext>
     </p:extLst>
   </p:cSld>
@@ -547,7 +547,7 @@
           <p:cNvPr id="2" name="竖排标题 1">
             <a:extLst>
               <a:ext uri="{FF2B5EF4-FFF2-40B4-BE49-F238E27FC236}">
-                <a16:creationId xmlns:a16="http://schemas.microsoft.com/office/drawing/2014/main" id="{EB651974-25BA-58DB-3CDC-57251DC22DB0}"/>
+                <a16:creationId xmlns:a16="http://schemas.microsoft.com/office/drawing/2014/main" id="{09A02A9E-421F-E152-F336-43FB3D3F6511}"/>
               </a:ext>
             </a:extLst>
           </p:cNvPr>
@@ -580,7 +580,7 @@
           <p:cNvPr id="3" name="竖排文字占位符 2">
             <a:extLst>
               <a:ext uri="{FF2B5EF4-FFF2-40B4-BE49-F238E27FC236}">
-                <a16:creationId xmlns:a16="http://schemas.microsoft.com/office/drawing/2014/main" id="{E167B33F-0032-044E-2D32-FB605E6DC7F6}"/>
+                <a16:creationId xmlns:a16="http://schemas.microsoft.com/office/drawing/2014/main" id="{E318E165-B00B-E8D5-6571-5258D59753CD}"/>
               </a:ext>
             </a:extLst>
           </p:cNvPr>
@@ -642,7 +642,7 @@
           <p:cNvPr id="4" name="日期占位符 3">
             <a:extLst>
               <a:ext uri="{FF2B5EF4-FFF2-40B4-BE49-F238E27FC236}">
-                <a16:creationId xmlns:a16="http://schemas.microsoft.com/office/drawing/2014/main" id="{78E1186B-3443-BF9C-CC6C-69E7C1BBCC1B}"/>
+                <a16:creationId xmlns:a16="http://schemas.microsoft.com/office/drawing/2014/main" id="{8928AF63-311A-3BE3-4743-B114148E7968}"/>
               </a:ext>
             </a:extLst>
           </p:cNvPr>
@@ -658,7 +658,7 @@
           <a:bodyPr/>
           <a:lstStyle/>
           <a:p>
-            <a:fld id="{99F0EC5E-ECF4-4500-9979-C25E4C8F04D1}" type="datetimeFigureOut">
+            <a:fld id="{BE59B0F9-CF4C-4BB1-A8A8-E4AE1BA6CFC5}" type="datetimeFigureOut">
               <a:rPr lang="zh-CN" altLang="en-US" smtClean="0"/>
               <a:t>2024/3/10</a:t>
             </a:fld>
@@ -671,7 +671,7 @@
           <p:cNvPr id="5" name="页脚占位符 4">
             <a:extLst>
               <a:ext uri="{FF2B5EF4-FFF2-40B4-BE49-F238E27FC236}">
-                <a16:creationId xmlns:a16="http://schemas.microsoft.com/office/drawing/2014/main" id="{747E36E6-4711-ABC8-FE2B-2BF3B8A8F770}"/>
+                <a16:creationId xmlns:a16="http://schemas.microsoft.com/office/drawing/2014/main" id="{63FF0D2E-65D9-1ED8-E39D-F27B99495040}"/>
               </a:ext>
             </a:extLst>
           </p:cNvPr>
@@ -696,7 +696,7 @@
           <p:cNvPr id="6" name="灯片编号占位符 5">
             <a:extLst>
               <a:ext uri="{FF2B5EF4-FFF2-40B4-BE49-F238E27FC236}">
-                <a16:creationId xmlns:a16="http://schemas.microsoft.com/office/drawing/2014/main" id="{A767C0C7-01CF-7941-9B68-5E081AD0E6BB}"/>
+                <a16:creationId xmlns:a16="http://schemas.microsoft.com/office/drawing/2014/main" id="{E2B4B794-ED7D-8ABD-AC44-B138AF25C133}"/>
               </a:ext>
             </a:extLst>
           </p:cNvPr>
@@ -712,7 +712,7 @@
           <a:bodyPr/>
           <a:lstStyle/>
           <a:p>
-            <a:fld id="{12ED12DA-F120-4988-943F-0BA86386E470}" type="slidenum">
+            <a:fld id="{014410FD-4F9F-48F0-8953-F9ADDEC56134}" type="slidenum">
               <a:rPr lang="zh-CN" altLang="en-US" smtClean="0"/>
               <a:t>‹#›</a:t>
             </a:fld>
@@ -723,7 +723,7 @@
     </p:spTree>
     <p:extLst>
       <p:ext uri="{BB962C8B-B14F-4D97-AF65-F5344CB8AC3E}">
-        <p14:creationId xmlns:p14="http://schemas.microsoft.com/office/powerpoint/2010/main" val="1004705419"/>
+        <p14:creationId xmlns:p14="http://schemas.microsoft.com/office/powerpoint/2010/main" val="934637538"/>
       </p:ext>
     </p:extLst>
   </p:cSld>
@@ -755,7 +755,7 @@
           <p:cNvPr id="2" name="标题 1">
             <a:extLst>
               <a:ext uri="{FF2B5EF4-FFF2-40B4-BE49-F238E27FC236}">
-                <a16:creationId xmlns:a16="http://schemas.microsoft.com/office/drawing/2014/main" id="{C917EE08-2A10-FAC8-0B4F-E56FC080D1D2}"/>
+                <a16:creationId xmlns:a16="http://schemas.microsoft.com/office/drawing/2014/main" id="{853C6F08-94F9-C303-1924-ACAFC10B0481}"/>
               </a:ext>
             </a:extLst>
           </p:cNvPr>
@@ -783,7 +783,7 @@
           <p:cNvPr id="3" name="内容占位符 2">
             <a:extLst>
               <a:ext uri="{FF2B5EF4-FFF2-40B4-BE49-F238E27FC236}">
-                <a16:creationId xmlns:a16="http://schemas.microsoft.com/office/drawing/2014/main" id="{702CD6DA-35C0-B0F8-A8FA-A8839560BEBD}"/>
+                <a16:creationId xmlns:a16="http://schemas.microsoft.com/office/drawing/2014/main" id="{83B8B398-F0E5-F6CE-D481-357F689A12AB}"/>
               </a:ext>
             </a:extLst>
           </p:cNvPr>
@@ -840,7 +840,7 @@
           <p:cNvPr id="4" name="日期占位符 3">
             <a:extLst>
               <a:ext uri="{FF2B5EF4-FFF2-40B4-BE49-F238E27FC236}">
-                <a16:creationId xmlns:a16="http://schemas.microsoft.com/office/drawing/2014/main" id="{3715A8D0-CFB9-6FA1-F9CF-EAA1C3B8535B}"/>
+                <a16:creationId xmlns:a16="http://schemas.microsoft.com/office/drawing/2014/main" id="{65E57E1B-0225-3475-E936-A3652A6BE757}"/>
               </a:ext>
             </a:extLst>
           </p:cNvPr>
@@ -856,7 +856,7 @@
           <a:bodyPr/>
           <a:lstStyle/>
           <a:p>
-            <a:fld id="{99F0EC5E-ECF4-4500-9979-C25E4C8F04D1}" type="datetimeFigureOut">
+            <a:fld id="{BE59B0F9-CF4C-4BB1-A8A8-E4AE1BA6CFC5}" type="datetimeFigureOut">
               <a:rPr lang="zh-CN" altLang="en-US" smtClean="0"/>
               <a:t>2024/3/10</a:t>
             </a:fld>
@@ -869,7 +869,7 @@
           <p:cNvPr id="5" name="页脚占位符 4">
             <a:extLst>
               <a:ext uri="{FF2B5EF4-FFF2-40B4-BE49-F238E27FC236}">
-                <a16:creationId xmlns:a16="http://schemas.microsoft.com/office/drawing/2014/main" id="{BD8A2BEC-5982-7F42-E457-E3CD36CDE29B}"/>
+                <a16:creationId xmlns:a16="http://schemas.microsoft.com/office/drawing/2014/main" id="{5D19CDD5-F45D-50A6-5FFF-D5A0F57324E4}"/>
               </a:ext>
             </a:extLst>
           </p:cNvPr>
@@ -894,7 +894,7 @@
           <p:cNvPr id="6" name="灯片编号占位符 5">
             <a:extLst>
               <a:ext uri="{FF2B5EF4-FFF2-40B4-BE49-F238E27FC236}">
-                <a16:creationId xmlns:a16="http://schemas.microsoft.com/office/drawing/2014/main" id="{566746C8-22BD-E1D5-0C26-C30A34FF25A0}"/>
+                <a16:creationId xmlns:a16="http://schemas.microsoft.com/office/drawing/2014/main" id="{D90CC74A-E0CC-0AB7-C229-83C94FDC4229}"/>
               </a:ext>
             </a:extLst>
           </p:cNvPr>
@@ -910,7 +910,7 @@
           <a:bodyPr/>
           <a:lstStyle/>
           <a:p>
-            <a:fld id="{12ED12DA-F120-4988-943F-0BA86386E470}" type="slidenum">
+            <a:fld id="{014410FD-4F9F-48F0-8953-F9ADDEC56134}" type="slidenum">
               <a:rPr lang="zh-CN" altLang="en-US" smtClean="0"/>
               <a:t>‹#›</a:t>
             </a:fld>
@@ -921,7 +921,7 @@
     </p:spTree>
     <p:extLst>
       <p:ext uri="{BB962C8B-B14F-4D97-AF65-F5344CB8AC3E}">
-        <p14:creationId xmlns:p14="http://schemas.microsoft.com/office/powerpoint/2010/main" val="1888116237"/>
+        <p14:creationId xmlns:p14="http://schemas.microsoft.com/office/powerpoint/2010/main" val="1736326896"/>
       </p:ext>
     </p:extLst>
   </p:cSld>
@@ -953,7 +953,7 @@
           <p:cNvPr id="2" name="标题 1">
             <a:extLst>
               <a:ext uri="{FF2B5EF4-FFF2-40B4-BE49-F238E27FC236}">
-                <a16:creationId xmlns:a16="http://schemas.microsoft.com/office/drawing/2014/main" id="{7DEB6CBA-3AE2-A16B-22FE-AEB09C7B2FDD}"/>
+                <a16:creationId xmlns:a16="http://schemas.microsoft.com/office/drawing/2014/main" id="{0D5E80BB-33A2-0528-2618-BCA6850E0B57}"/>
               </a:ext>
             </a:extLst>
           </p:cNvPr>
@@ -990,7 +990,7 @@
           <p:cNvPr id="3" name="文本占位符 2">
             <a:extLst>
               <a:ext uri="{FF2B5EF4-FFF2-40B4-BE49-F238E27FC236}">
-                <a16:creationId xmlns:a16="http://schemas.microsoft.com/office/drawing/2014/main" id="{BEBEFBBC-9A58-A1C6-347F-45586593ED1F}"/>
+                <a16:creationId xmlns:a16="http://schemas.microsoft.com/office/drawing/2014/main" id="{241604D5-54FC-66F5-C4CB-9161E4891571}"/>
               </a:ext>
             </a:extLst>
           </p:cNvPr>
@@ -1115,7 +1115,7 @@
           <p:cNvPr id="4" name="日期占位符 3">
             <a:extLst>
               <a:ext uri="{FF2B5EF4-FFF2-40B4-BE49-F238E27FC236}">
-                <a16:creationId xmlns:a16="http://schemas.microsoft.com/office/drawing/2014/main" id="{FD28B399-B155-EF18-B13F-E2E1E65C2350}"/>
+                <a16:creationId xmlns:a16="http://schemas.microsoft.com/office/drawing/2014/main" id="{199CD65E-267A-7725-63CA-98BF9D379519}"/>
               </a:ext>
             </a:extLst>
           </p:cNvPr>
@@ -1131,7 +1131,7 @@
           <a:bodyPr/>
           <a:lstStyle/>
           <a:p>
-            <a:fld id="{99F0EC5E-ECF4-4500-9979-C25E4C8F04D1}" type="datetimeFigureOut">
+            <a:fld id="{BE59B0F9-CF4C-4BB1-A8A8-E4AE1BA6CFC5}" type="datetimeFigureOut">
               <a:rPr lang="zh-CN" altLang="en-US" smtClean="0"/>
               <a:t>2024/3/10</a:t>
             </a:fld>
@@ -1144,7 +1144,7 @@
           <p:cNvPr id="5" name="页脚占位符 4">
             <a:extLst>
               <a:ext uri="{FF2B5EF4-FFF2-40B4-BE49-F238E27FC236}">
-                <a16:creationId xmlns:a16="http://schemas.microsoft.com/office/drawing/2014/main" id="{5C148751-EA02-27D7-E9D8-6AFB357FCC2B}"/>
+                <a16:creationId xmlns:a16="http://schemas.microsoft.com/office/drawing/2014/main" id="{981FD797-ABE1-115E-55AB-EEBDC0049EA3}"/>
               </a:ext>
             </a:extLst>
           </p:cNvPr>
@@ -1169,7 +1169,7 @@
           <p:cNvPr id="6" name="灯片编号占位符 5">
             <a:extLst>
               <a:ext uri="{FF2B5EF4-FFF2-40B4-BE49-F238E27FC236}">
-                <a16:creationId xmlns:a16="http://schemas.microsoft.com/office/drawing/2014/main" id="{3B2F94F8-A22E-B81E-0C52-7B6334F8AF4E}"/>
+                <a16:creationId xmlns:a16="http://schemas.microsoft.com/office/drawing/2014/main" id="{6C8935AD-8903-0576-F5DD-E594AAC93BB2}"/>
               </a:ext>
             </a:extLst>
           </p:cNvPr>
@@ -1185,7 +1185,7 @@
           <a:bodyPr/>
           <a:lstStyle/>
           <a:p>
-            <a:fld id="{12ED12DA-F120-4988-943F-0BA86386E470}" type="slidenum">
+            <a:fld id="{014410FD-4F9F-48F0-8953-F9ADDEC56134}" type="slidenum">
               <a:rPr lang="zh-CN" altLang="en-US" smtClean="0"/>
               <a:t>‹#›</a:t>
             </a:fld>
@@ -1196,7 +1196,7 @@
     </p:spTree>
     <p:extLst>
       <p:ext uri="{BB962C8B-B14F-4D97-AF65-F5344CB8AC3E}">
-        <p14:creationId xmlns:p14="http://schemas.microsoft.com/office/powerpoint/2010/main" val="2418483385"/>
+        <p14:creationId xmlns:p14="http://schemas.microsoft.com/office/powerpoint/2010/main" val="2986966503"/>
       </p:ext>
     </p:extLst>
   </p:cSld>
@@ -1228,7 +1228,7 @@
           <p:cNvPr id="2" name="标题 1">
             <a:extLst>
               <a:ext uri="{FF2B5EF4-FFF2-40B4-BE49-F238E27FC236}">
-                <a16:creationId xmlns:a16="http://schemas.microsoft.com/office/drawing/2014/main" id="{CEDE3B27-6F6C-F7CC-6226-40DC4FD17DA8}"/>
+                <a16:creationId xmlns:a16="http://schemas.microsoft.com/office/drawing/2014/main" id="{94AD11D3-9032-D050-35BA-116CACC5374A}"/>
               </a:ext>
             </a:extLst>
           </p:cNvPr>
@@ -1256,7 +1256,7 @@
           <p:cNvPr id="3" name="内容占位符 2">
             <a:extLst>
               <a:ext uri="{FF2B5EF4-FFF2-40B4-BE49-F238E27FC236}">
-                <a16:creationId xmlns:a16="http://schemas.microsoft.com/office/drawing/2014/main" id="{405BEF81-7BCF-1C94-FCBC-02EAD68E7C25}"/>
+                <a16:creationId xmlns:a16="http://schemas.microsoft.com/office/drawing/2014/main" id="{954C5569-062F-E987-58CE-8193ADA56788}"/>
               </a:ext>
             </a:extLst>
           </p:cNvPr>
@@ -1318,7 +1318,7 @@
           <p:cNvPr id="4" name="内容占位符 3">
             <a:extLst>
               <a:ext uri="{FF2B5EF4-FFF2-40B4-BE49-F238E27FC236}">
-                <a16:creationId xmlns:a16="http://schemas.microsoft.com/office/drawing/2014/main" id="{947F8712-E85A-C6DC-9209-98C7301F3129}"/>
+                <a16:creationId xmlns:a16="http://schemas.microsoft.com/office/drawing/2014/main" id="{AF28B08D-B697-B269-6FA3-B73A112650B7}"/>
               </a:ext>
             </a:extLst>
           </p:cNvPr>
@@ -1380,7 +1380,7 @@
           <p:cNvPr id="5" name="日期占位符 4">
             <a:extLst>
               <a:ext uri="{FF2B5EF4-FFF2-40B4-BE49-F238E27FC236}">
-                <a16:creationId xmlns:a16="http://schemas.microsoft.com/office/drawing/2014/main" id="{DD095098-8041-E80C-E58E-8CEA4103044F}"/>
+                <a16:creationId xmlns:a16="http://schemas.microsoft.com/office/drawing/2014/main" id="{0E7FB517-8BAC-4BE0-CD12-BA0ACBEAB65B}"/>
               </a:ext>
             </a:extLst>
           </p:cNvPr>
@@ -1396,7 +1396,7 @@
           <a:bodyPr/>
           <a:lstStyle/>
           <a:p>
-            <a:fld id="{99F0EC5E-ECF4-4500-9979-C25E4C8F04D1}" type="datetimeFigureOut">
+            <a:fld id="{BE59B0F9-CF4C-4BB1-A8A8-E4AE1BA6CFC5}" type="datetimeFigureOut">
               <a:rPr lang="zh-CN" altLang="en-US" smtClean="0"/>
               <a:t>2024/3/10</a:t>
             </a:fld>
@@ -1409,7 +1409,7 @@
           <p:cNvPr id="6" name="页脚占位符 5">
             <a:extLst>
               <a:ext uri="{FF2B5EF4-FFF2-40B4-BE49-F238E27FC236}">
-                <a16:creationId xmlns:a16="http://schemas.microsoft.com/office/drawing/2014/main" id="{2BE60236-0680-C888-F0AE-EBCEFC6A1C8A}"/>
+                <a16:creationId xmlns:a16="http://schemas.microsoft.com/office/drawing/2014/main" id="{432B7907-6325-A722-7D50-A7229869ADBF}"/>
               </a:ext>
             </a:extLst>
           </p:cNvPr>
@@ -1434,7 +1434,7 @@
           <p:cNvPr id="7" name="灯片编号占位符 6">
             <a:extLst>
               <a:ext uri="{FF2B5EF4-FFF2-40B4-BE49-F238E27FC236}">
-                <a16:creationId xmlns:a16="http://schemas.microsoft.com/office/drawing/2014/main" id="{450A97D9-8F8B-643A-5EC6-58035D2C5EFF}"/>
+                <a16:creationId xmlns:a16="http://schemas.microsoft.com/office/drawing/2014/main" id="{BB99D859-769C-F4B1-762F-A0AD73AAF732}"/>
               </a:ext>
             </a:extLst>
           </p:cNvPr>
@@ -1450,7 +1450,7 @@
           <a:bodyPr/>
           <a:lstStyle/>
           <a:p>
-            <a:fld id="{12ED12DA-F120-4988-943F-0BA86386E470}" type="slidenum">
+            <a:fld id="{014410FD-4F9F-48F0-8953-F9ADDEC56134}" type="slidenum">
               <a:rPr lang="zh-CN" altLang="en-US" smtClean="0"/>
               <a:t>‹#›</a:t>
             </a:fld>
@@ -1461,7 +1461,7 @@
     </p:spTree>
     <p:extLst>
       <p:ext uri="{BB962C8B-B14F-4D97-AF65-F5344CB8AC3E}">
-        <p14:creationId xmlns:p14="http://schemas.microsoft.com/office/powerpoint/2010/main" val="2546160767"/>
+        <p14:creationId xmlns:p14="http://schemas.microsoft.com/office/powerpoint/2010/main" val="2392125744"/>
       </p:ext>
     </p:extLst>
   </p:cSld>
@@ -1493,7 +1493,7 @@
           <p:cNvPr id="2" name="标题 1">
             <a:extLst>
               <a:ext uri="{FF2B5EF4-FFF2-40B4-BE49-F238E27FC236}">
-                <a16:creationId xmlns:a16="http://schemas.microsoft.com/office/drawing/2014/main" id="{E1683C75-CF2B-843B-3AF7-0DA9C6F28AC1}"/>
+                <a16:creationId xmlns:a16="http://schemas.microsoft.com/office/drawing/2014/main" id="{117C5095-C828-A927-6B61-FA7BF9CCDF83}"/>
               </a:ext>
             </a:extLst>
           </p:cNvPr>
@@ -1526,7 +1526,7 @@
           <p:cNvPr id="3" name="文本占位符 2">
             <a:extLst>
               <a:ext uri="{FF2B5EF4-FFF2-40B4-BE49-F238E27FC236}">
-                <a16:creationId xmlns:a16="http://schemas.microsoft.com/office/drawing/2014/main" id="{686EE6C9-53D3-5F2D-BF0D-A0C668F459BA}"/>
+                <a16:creationId xmlns:a16="http://schemas.microsoft.com/office/drawing/2014/main" id="{56ACE942-B3D8-7FA4-0C39-74C6A6F353B2}"/>
               </a:ext>
             </a:extLst>
           </p:cNvPr>
@@ -1597,7 +1597,7 @@
           <p:cNvPr id="4" name="内容占位符 3">
             <a:extLst>
               <a:ext uri="{FF2B5EF4-FFF2-40B4-BE49-F238E27FC236}">
-                <a16:creationId xmlns:a16="http://schemas.microsoft.com/office/drawing/2014/main" id="{823C5A18-B0A1-D846-F78A-E27F9007355C}"/>
+                <a16:creationId xmlns:a16="http://schemas.microsoft.com/office/drawing/2014/main" id="{74ADBDB3-0EC9-C4AA-73CD-C0F5FAB0F71D}"/>
               </a:ext>
             </a:extLst>
           </p:cNvPr>
@@ -1659,7 +1659,7 @@
           <p:cNvPr id="5" name="文本占位符 4">
             <a:extLst>
               <a:ext uri="{FF2B5EF4-FFF2-40B4-BE49-F238E27FC236}">
-                <a16:creationId xmlns:a16="http://schemas.microsoft.com/office/drawing/2014/main" id="{D4EDCFA9-957F-FA60-4E56-61A9E753890C}"/>
+                <a16:creationId xmlns:a16="http://schemas.microsoft.com/office/drawing/2014/main" id="{B7647AF7-9AFE-BBED-4FB0-9B4469762881}"/>
               </a:ext>
             </a:extLst>
           </p:cNvPr>
@@ -1730,7 +1730,7 @@
           <p:cNvPr id="6" name="内容占位符 5">
             <a:extLst>
               <a:ext uri="{FF2B5EF4-FFF2-40B4-BE49-F238E27FC236}">
-                <a16:creationId xmlns:a16="http://schemas.microsoft.com/office/drawing/2014/main" id="{2B9B5049-5923-16C7-18B0-A279EC45EDA0}"/>
+                <a16:creationId xmlns:a16="http://schemas.microsoft.com/office/drawing/2014/main" id="{4D907EF6-D49F-11FC-F435-C62CE35DE1F5}"/>
               </a:ext>
             </a:extLst>
           </p:cNvPr>
@@ -1792,7 +1792,7 @@
           <p:cNvPr id="7" name="日期占位符 6">
             <a:extLst>
               <a:ext uri="{FF2B5EF4-FFF2-40B4-BE49-F238E27FC236}">
-                <a16:creationId xmlns:a16="http://schemas.microsoft.com/office/drawing/2014/main" id="{0C947AB9-5502-C217-669F-31741EE111C0}"/>
+                <a16:creationId xmlns:a16="http://schemas.microsoft.com/office/drawing/2014/main" id="{8BBBBC06-789B-C5FB-9D15-A1BC549849D3}"/>
               </a:ext>
             </a:extLst>
           </p:cNvPr>
@@ -1808,7 +1808,7 @@
           <a:bodyPr/>
           <a:lstStyle/>
           <a:p>
-            <a:fld id="{99F0EC5E-ECF4-4500-9979-C25E4C8F04D1}" type="datetimeFigureOut">
+            <a:fld id="{BE59B0F9-CF4C-4BB1-A8A8-E4AE1BA6CFC5}" type="datetimeFigureOut">
               <a:rPr lang="zh-CN" altLang="en-US" smtClean="0"/>
               <a:t>2024/3/10</a:t>
             </a:fld>
@@ -1821,7 +1821,7 @@
           <p:cNvPr id="8" name="页脚占位符 7">
             <a:extLst>
               <a:ext uri="{FF2B5EF4-FFF2-40B4-BE49-F238E27FC236}">
-                <a16:creationId xmlns:a16="http://schemas.microsoft.com/office/drawing/2014/main" id="{0717F1D8-20F8-50FA-C1D4-35A6C687206A}"/>
+                <a16:creationId xmlns:a16="http://schemas.microsoft.com/office/drawing/2014/main" id="{9FFC9406-5AB7-1313-1EFA-19BA423B0EAF}"/>
               </a:ext>
             </a:extLst>
           </p:cNvPr>
@@ -1846,7 +1846,7 @@
           <p:cNvPr id="9" name="灯片编号占位符 8">
             <a:extLst>
               <a:ext uri="{FF2B5EF4-FFF2-40B4-BE49-F238E27FC236}">
-                <a16:creationId xmlns:a16="http://schemas.microsoft.com/office/drawing/2014/main" id="{9973B3E3-E4D1-676B-CE38-813CC63871C3}"/>
+                <a16:creationId xmlns:a16="http://schemas.microsoft.com/office/drawing/2014/main" id="{A1F0BCFF-7EBC-0B15-A402-DA08E3B34DD7}"/>
               </a:ext>
             </a:extLst>
           </p:cNvPr>
@@ -1862,7 +1862,7 @@
           <a:bodyPr/>
           <a:lstStyle/>
           <a:p>
-            <a:fld id="{12ED12DA-F120-4988-943F-0BA86386E470}" type="slidenum">
+            <a:fld id="{014410FD-4F9F-48F0-8953-F9ADDEC56134}" type="slidenum">
               <a:rPr lang="zh-CN" altLang="en-US" smtClean="0"/>
               <a:t>‹#›</a:t>
             </a:fld>
@@ -1873,7 +1873,7 @@
     </p:spTree>
     <p:extLst>
       <p:ext uri="{BB962C8B-B14F-4D97-AF65-F5344CB8AC3E}">
-        <p14:creationId xmlns:p14="http://schemas.microsoft.com/office/powerpoint/2010/main" val="4293441654"/>
+        <p14:creationId xmlns:p14="http://schemas.microsoft.com/office/powerpoint/2010/main" val="3506579688"/>
       </p:ext>
     </p:extLst>
   </p:cSld>
@@ -1905,7 +1905,7 @@
           <p:cNvPr id="2" name="标题 1">
             <a:extLst>
               <a:ext uri="{FF2B5EF4-FFF2-40B4-BE49-F238E27FC236}">
-                <a16:creationId xmlns:a16="http://schemas.microsoft.com/office/drawing/2014/main" id="{4E54284C-000D-667C-14AA-8CCA9B2219A3}"/>
+                <a16:creationId xmlns:a16="http://schemas.microsoft.com/office/drawing/2014/main" id="{F6B2A420-5C44-9B1E-8BD3-EF533BB16B0F}"/>
               </a:ext>
             </a:extLst>
           </p:cNvPr>
@@ -1933,7 +1933,7 @@
           <p:cNvPr id="3" name="日期占位符 2">
             <a:extLst>
               <a:ext uri="{FF2B5EF4-FFF2-40B4-BE49-F238E27FC236}">
-                <a16:creationId xmlns:a16="http://schemas.microsoft.com/office/drawing/2014/main" id="{3F0DB645-B01F-70AA-6753-03E123D7483A}"/>
+                <a16:creationId xmlns:a16="http://schemas.microsoft.com/office/drawing/2014/main" id="{317D8C24-DA3B-4C78-0A63-8C4656DDE635}"/>
               </a:ext>
             </a:extLst>
           </p:cNvPr>
@@ -1949,7 +1949,7 @@
           <a:bodyPr/>
           <a:lstStyle/>
           <a:p>
-            <a:fld id="{99F0EC5E-ECF4-4500-9979-C25E4C8F04D1}" type="datetimeFigureOut">
+            <a:fld id="{BE59B0F9-CF4C-4BB1-A8A8-E4AE1BA6CFC5}" type="datetimeFigureOut">
               <a:rPr lang="zh-CN" altLang="en-US" smtClean="0"/>
               <a:t>2024/3/10</a:t>
             </a:fld>
@@ -1962,7 +1962,7 @@
           <p:cNvPr id="4" name="页脚占位符 3">
             <a:extLst>
               <a:ext uri="{FF2B5EF4-FFF2-40B4-BE49-F238E27FC236}">
-                <a16:creationId xmlns:a16="http://schemas.microsoft.com/office/drawing/2014/main" id="{0360567F-696E-F17D-4146-C24D90243E80}"/>
+                <a16:creationId xmlns:a16="http://schemas.microsoft.com/office/drawing/2014/main" id="{7FDBA1FC-42F4-5C61-1691-093A99100042}"/>
               </a:ext>
             </a:extLst>
           </p:cNvPr>
@@ -1987,7 +1987,7 @@
           <p:cNvPr id="5" name="灯片编号占位符 4">
             <a:extLst>
               <a:ext uri="{FF2B5EF4-FFF2-40B4-BE49-F238E27FC236}">
-                <a16:creationId xmlns:a16="http://schemas.microsoft.com/office/drawing/2014/main" id="{C1A3C19C-85E1-93C3-7D99-A58AAB77CC7D}"/>
+                <a16:creationId xmlns:a16="http://schemas.microsoft.com/office/drawing/2014/main" id="{BBE9154D-E179-9E81-18C7-92E767B07214}"/>
               </a:ext>
             </a:extLst>
           </p:cNvPr>
@@ -2003,7 +2003,7 @@
           <a:bodyPr/>
           <a:lstStyle/>
           <a:p>
-            <a:fld id="{12ED12DA-F120-4988-943F-0BA86386E470}" type="slidenum">
+            <a:fld id="{014410FD-4F9F-48F0-8953-F9ADDEC56134}" type="slidenum">
               <a:rPr lang="zh-CN" altLang="en-US" smtClean="0"/>
               <a:t>‹#›</a:t>
             </a:fld>
@@ -2014,7 +2014,7 @@
     </p:spTree>
     <p:extLst>
       <p:ext uri="{BB962C8B-B14F-4D97-AF65-F5344CB8AC3E}">
-        <p14:creationId xmlns:p14="http://schemas.microsoft.com/office/powerpoint/2010/main" val="1576524072"/>
+        <p14:creationId xmlns:p14="http://schemas.microsoft.com/office/powerpoint/2010/main" val="951142938"/>
       </p:ext>
     </p:extLst>
   </p:cSld>
@@ -2046,7 +2046,7 @@
           <p:cNvPr id="2" name="日期占位符 1">
             <a:extLst>
               <a:ext uri="{FF2B5EF4-FFF2-40B4-BE49-F238E27FC236}">
-                <a16:creationId xmlns:a16="http://schemas.microsoft.com/office/drawing/2014/main" id="{546355BF-62B3-C429-A837-B0A1BF7DF9A9}"/>
+                <a16:creationId xmlns:a16="http://schemas.microsoft.com/office/drawing/2014/main" id="{FB4AEA9F-1966-C8F8-109E-2AEBE3EA5AA8}"/>
               </a:ext>
             </a:extLst>
           </p:cNvPr>
@@ -2062,7 +2062,7 @@
           <a:bodyPr/>
           <a:lstStyle/>
           <a:p>
-            <a:fld id="{99F0EC5E-ECF4-4500-9979-C25E4C8F04D1}" type="datetimeFigureOut">
+            <a:fld id="{BE59B0F9-CF4C-4BB1-A8A8-E4AE1BA6CFC5}" type="datetimeFigureOut">
               <a:rPr lang="zh-CN" altLang="en-US" smtClean="0"/>
               <a:t>2024/3/10</a:t>
             </a:fld>
@@ -2075,7 +2075,7 @@
           <p:cNvPr id="3" name="页脚占位符 2">
             <a:extLst>
               <a:ext uri="{FF2B5EF4-FFF2-40B4-BE49-F238E27FC236}">
-                <a16:creationId xmlns:a16="http://schemas.microsoft.com/office/drawing/2014/main" id="{959677A0-EDEE-D850-2FF2-77BE3A395165}"/>
+                <a16:creationId xmlns:a16="http://schemas.microsoft.com/office/drawing/2014/main" id="{B2BDBDED-49FE-6DE6-C504-D1B65FFCD314}"/>
               </a:ext>
             </a:extLst>
           </p:cNvPr>
@@ -2100,7 +2100,7 @@
           <p:cNvPr id="4" name="灯片编号占位符 3">
             <a:extLst>
               <a:ext uri="{FF2B5EF4-FFF2-40B4-BE49-F238E27FC236}">
-                <a16:creationId xmlns:a16="http://schemas.microsoft.com/office/drawing/2014/main" id="{9447FDF2-F5ED-F067-FA28-3DC6282DDD0D}"/>
+                <a16:creationId xmlns:a16="http://schemas.microsoft.com/office/drawing/2014/main" id="{44A7123F-53BE-C559-6351-796612D0EE84}"/>
               </a:ext>
             </a:extLst>
           </p:cNvPr>
@@ -2116,7 +2116,7 @@
           <a:bodyPr/>
           <a:lstStyle/>
           <a:p>
-            <a:fld id="{12ED12DA-F120-4988-943F-0BA86386E470}" type="slidenum">
+            <a:fld id="{014410FD-4F9F-48F0-8953-F9ADDEC56134}" type="slidenum">
               <a:rPr lang="zh-CN" altLang="en-US" smtClean="0"/>
               <a:t>‹#›</a:t>
             </a:fld>
@@ -2127,7 +2127,7 @@
     </p:spTree>
     <p:extLst>
       <p:ext uri="{BB962C8B-B14F-4D97-AF65-F5344CB8AC3E}">
-        <p14:creationId xmlns:p14="http://schemas.microsoft.com/office/powerpoint/2010/main" val="3089352458"/>
+        <p14:creationId xmlns:p14="http://schemas.microsoft.com/office/powerpoint/2010/main" val="3726841959"/>
       </p:ext>
     </p:extLst>
   </p:cSld>
@@ -2159,7 +2159,7 @@
           <p:cNvPr id="2" name="标题 1">
             <a:extLst>
               <a:ext uri="{FF2B5EF4-FFF2-40B4-BE49-F238E27FC236}">
-                <a16:creationId xmlns:a16="http://schemas.microsoft.com/office/drawing/2014/main" id="{962E732D-CD01-1202-2C30-B4988C2D8C68}"/>
+                <a16:creationId xmlns:a16="http://schemas.microsoft.com/office/drawing/2014/main" id="{C3423D49-AF96-8193-A8AF-6CD7CC549637}"/>
               </a:ext>
             </a:extLst>
           </p:cNvPr>
@@ -2196,7 +2196,7 @@
           <p:cNvPr id="3" name="内容占位符 2">
             <a:extLst>
               <a:ext uri="{FF2B5EF4-FFF2-40B4-BE49-F238E27FC236}">
-                <a16:creationId xmlns:a16="http://schemas.microsoft.com/office/drawing/2014/main" id="{C686EE68-6CF1-6280-2E71-D06893A14965}"/>
+                <a16:creationId xmlns:a16="http://schemas.microsoft.com/office/drawing/2014/main" id="{97446640-E1EF-ACA7-3D40-577EF3649ABF}"/>
               </a:ext>
             </a:extLst>
           </p:cNvPr>
@@ -2286,7 +2286,7 @@
           <p:cNvPr id="4" name="文本占位符 3">
             <a:extLst>
               <a:ext uri="{FF2B5EF4-FFF2-40B4-BE49-F238E27FC236}">
-                <a16:creationId xmlns:a16="http://schemas.microsoft.com/office/drawing/2014/main" id="{E28FEF1A-C75A-1977-CF8A-995A86DDE63D}"/>
+                <a16:creationId xmlns:a16="http://schemas.microsoft.com/office/drawing/2014/main" id="{70D48AB5-2FCF-E63A-ADB9-CC4476186448}"/>
               </a:ext>
             </a:extLst>
           </p:cNvPr>
@@ -2357,7 +2357,7 @@
           <p:cNvPr id="5" name="日期占位符 4">
             <a:extLst>
               <a:ext uri="{FF2B5EF4-FFF2-40B4-BE49-F238E27FC236}">
-                <a16:creationId xmlns:a16="http://schemas.microsoft.com/office/drawing/2014/main" id="{3595108C-65B9-E9E5-039C-5395D6263D5A}"/>
+                <a16:creationId xmlns:a16="http://schemas.microsoft.com/office/drawing/2014/main" id="{EB913E51-2A8C-03BB-23A3-308F7D4B107C}"/>
               </a:ext>
             </a:extLst>
           </p:cNvPr>
@@ -2373,7 +2373,7 @@
           <a:bodyPr/>
           <a:lstStyle/>
           <a:p>
-            <a:fld id="{99F0EC5E-ECF4-4500-9979-C25E4C8F04D1}" type="datetimeFigureOut">
+            <a:fld id="{BE59B0F9-CF4C-4BB1-A8A8-E4AE1BA6CFC5}" type="datetimeFigureOut">
               <a:rPr lang="zh-CN" altLang="en-US" smtClean="0"/>
               <a:t>2024/3/10</a:t>
             </a:fld>
@@ -2386,7 +2386,7 @@
           <p:cNvPr id="6" name="页脚占位符 5">
             <a:extLst>
               <a:ext uri="{FF2B5EF4-FFF2-40B4-BE49-F238E27FC236}">
-                <a16:creationId xmlns:a16="http://schemas.microsoft.com/office/drawing/2014/main" id="{43FB3931-1AA0-5A79-A50C-2ED037FD5535}"/>
+                <a16:creationId xmlns:a16="http://schemas.microsoft.com/office/drawing/2014/main" id="{80445D74-E7E9-64FC-5985-4A7BD206E84C}"/>
               </a:ext>
             </a:extLst>
           </p:cNvPr>
@@ -2411,7 +2411,7 @@
           <p:cNvPr id="7" name="灯片编号占位符 6">
             <a:extLst>
               <a:ext uri="{FF2B5EF4-FFF2-40B4-BE49-F238E27FC236}">
-                <a16:creationId xmlns:a16="http://schemas.microsoft.com/office/drawing/2014/main" id="{E3E7CDE6-E8B8-466C-C2D1-516DE9ECA4A2}"/>
+                <a16:creationId xmlns:a16="http://schemas.microsoft.com/office/drawing/2014/main" id="{CA3FACE2-B79B-560E-BB62-7D2255C62770}"/>
               </a:ext>
             </a:extLst>
           </p:cNvPr>
@@ -2427,7 +2427,7 @@
           <a:bodyPr/>
           <a:lstStyle/>
           <a:p>
-            <a:fld id="{12ED12DA-F120-4988-943F-0BA86386E470}" type="slidenum">
+            <a:fld id="{014410FD-4F9F-48F0-8953-F9ADDEC56134}" type="slidenum">
               <a:rPr lang="zh-CN" altLang="en-US" smtClean="0"/>
               <a:t>‹#›</a:t>
             </a:fld>
@@ -2438,7 +2438,7 @@
     </p:spTree>
     <p:extLst>
       <p:ext uri="{BB962C8B-B14F-4D97-AF65-F5344CB8AC3E}">
-        <p14:creationId xmlns:p14="http://schemas.microsoft.com/office/powerpoint/2010/main" val="496798209"/>
+        <p14:creationId xmlns:p14="http://schemas.microsoft.com/office/powerpoint/2010/main" val="4216557500"/>
       </p:ext>
     </p:extLst>
   </p:cSld>
@@ -2470,7 +2470,7 @@
           <p:cNvPr id="2" name="标题 1">
             <a:extLst>
               <a:ext uri="{FF2B5EF4-FFF2-40B4-BE49-F238E27FC236}">
-                <a16:creationId xmlns:a16="http://schemas.microsoft.com/office/drawing/2014/main" id="{62C64E0C-1965-C61F-F6FB-F561E6233A95}"/>
+                <a16:creationId xmlns:a16="http://schemas.microsoft.com/office/drawing/2014/main" id="{BE0D2610-65CA-A3D5-66A2-33A520A5F187}"/>
               </a:ext>
             </a:extLst>
           </p:cNvPr>
@@ -2507,7 +2507,7 @@
           <p:cNvPr id="3" name="图片占位符 2">
             <a:extLst>
               <a:ext uri="{FF2B5EF4-FFF2-40B4-BE49-F238E27FC236}">
-                <a16:creationId xmlns:a16="http://schemas.microsoft.com/office/drawing/2014/main" id="{BA6DB67B-2BE9-5BDE-C0F7-F21A15BF9D55}"/>
+                <a16:creationId xmlns:a16="http://schemas.microsoft.com/office/drawing/2014/main" id="{34AC16B7-C7A6-036E-4E71-2FB0BDB8A369}"/>
               </a:ext>
             </a:extLst>
           </p:cNvPr>
@@ -2574,7 +2574,7 @@
           <p:cNvPr id="4" name="文本占位符 3">
             <a:extLst>
               <a:ext uri="{FF2B5EF4-FFF2-40B4-BE49-F238E27FC236}">
-                <a16:creationId xmlns:a16="http://schemas.microsoft.com/office/drawing/2014/main" id="{EC2B14B5-4674-F2B5-801F-5D705E927DD1}"/>
+                <a16:creationId xmlns:a16="http://schemas.microsoft.com/office/drawing/2014/main" id="{CA4D9284-47B8-62A1-0152-2A251FF6C2FB}"/>
               </a:ext>
             </a:extLst>
           </p:cNvPr>
@@ -2645,7 +2645,7 @@
           <p:cNvPr id="5" name="日期占位符 4">
             <a:extLst>
               <a:ext uri="{FF2B5EF4-FFF2-40B4-BE49-F238E27FC236}">
-                <a16:creationId xmlns:a16="http://schemas.microsoft.com/office/drawing/2014/main" id="{CE16A722-7652-CC37-7A8E-708A69A50BD0}"/>
+                <a16:creationId xmlns:a16="http://schemas.microsoft.com/office/drawing/2014/main" id="{4E3CBC14-86EE-EF5D-A059-79CE6B67435E}"/>
               </a:ext>
             </a:extLst>
           </p:cNvPr>
@@ -2661,7 +2661,7 @@
           <a:bodyPr/>
           <a:lstStyle/>
           <a:p>
-            <a:fld id="{99F0EC5E-ECF4-4500-9979-C25E4C8F04D1}" type="datetimeFigureOut">
+            <a:fld id="{BE59B0F9-CF4C-4BB1-A8A8-E4AE1BA6CFC5}" type="datetimeFigureOut">
               <a:rPr lang="zh-CN" altLang="en-US" smtClean="0"/>
               <a:t>2024/3/10</a:t>
             </a:fld>
@@ -2674,7 +2674,7 @@
           <p:cNvPr id="6" name="页脚占位符 5">
             <a:extLst>
               <a:ext uri="{FF2B5EF4-FFF2-40B4-BE49-F238E27FC236}">
-                <a16:creationId xmlns:a16="http://schemas.microsoft.com/office/drawing/2014/main" id="{AC8ED909-B0EB-ED26-6E7D-646C40B6CB05}"/>
+                <a16:creationId xmlns:a16="http://schemas.microsoft.com/office/drawing/2014/main" id="{85D3AED1-6A36-D3A5-1A07-13A2AD28A6E9}"/>
               </a:ext>
             </a:extLst>
           </p:cNvPr>
@@ -2699,7 +2699,7 @@
           <p:cNvPr id="7" name="灯片编号占位符 6">
             <a:extLst>
               <a:ext uri="{FF2B5EF4-FFF2-40B4-BE49-F238E27FC236}">
-                <a16:creationId xmlns:a16="http://schemas.microsoft.com/office/drawing/2014/main" id="{5589D98F-895F-4F11-7020-D3FF9ABF8947}"/>
+                <a16:creationId xmlns:a16="http://schemas.microsoft.com/office/drawing/2014/main" id="{1257EA75-F439-EEE9-4971-EAD514DFB354}"/>
               </a:ext>
             </a:extLst>
           </p:cNvPr>
@@ -2715,7 +2715,7 @@
           <a:bodyPr/>
           <a:lstStyle/>
           <a:p>
-            <a:fld id="{12ED12DA-F120-4988-943F-0BA86386E470}" type="slidenum">
+            <a:fld id="{014410FD-4F9F-48F0-8953-F9ADDEC56134}" type="slidenum">
               <a:rPr lang="zh-CN" altLang="en-US" smtClean="0"/>
               <a:t>‹#›</a:t>
             </a:fld>
@@ -2726,7 +2726,7 @@
     </p:spTree>
     <p:extLst>
       <p:ext uri="{BB962C8B-B14F-4D97-AF65-F5344CB8AC3E}">
-        <p14:creationId xmlns:p14="http://schemas.microsoft.com/office/powerpoint/2010/main" val="2017892451"/>
+        <p14:creationId xmlns:p14="http://schemas.microsoft.com/office/powerpoint/2010/main" val="1458594655"/>
       </p:ext>
     </p:extLst>
   </p:cSld>
@@ -2763,7 +2763,7 @@
           <p:cNvPr id="2" name="标题占位符 1">
             <a:extLst>
               <a:ext uri="{FF2B5EF4-FFF2-40B4-BE49-F238E27FC236}">
-                <a16:creationId xmlns:a16="http://schemas.microsoft.com/office/drawing/2014/main" id="{D036E177-9709-B27A-0E65-D3F9EBC1E907}"/>
+                <a16:creationId xmlns:a16="http://schemas.microsoft.com/office/drawing/2014/main" id="{90760EAB-0B58-74CC-9E68-22D265E65566}"/>
               </a:ext>
             </a:extLst>
           </p:cNvPr>
@@ -2801,7 +2801,7 @@
           <p:cNvPr id="3" name="文本占位符 2">
             <a:extLst>
               <a:ext uri="{FF2B5EF4-FFF2-40B4-BE49-F238E27FC236}">
-                <a16:creationId xmlns:a16="http://schemas.microsoft.com/office/drawing/2014/main" id="{0CEB2C5E-7586-D62F-81C5-ABBD830D6D7C}"/>
+                <a16:creationId xmlns:a16="http://schemas.microsoft.com/office/drawing/2014/main" id="{11836764-C524-6E4E-BEAA-9CC82DFAFA69}"/>
               </a:ext>
             </a:extLst>
           </p:cNvPr>
@@ -2868,7 +2868,7 @@
           <p:cNvPr id="4" name="日期占位符 3">
             <a:extLst>
               <a:ext uri="{FF2B5EF4-FFF2-40B4-BE49-F238E27FC236}">
-                <a16:creationId xmlns:a16="http://schemas.microsoft.com/office/drawing/2014/main" id="{D88B3531-E517-C55C-4E0E-2432DA3512F0}"/>
+                <a16:creationId xmlns:a16="http://schemas.microsoft.com/office/drawing/2014/main" id="{2AC1C019-A1AA-A080-3626-CF6B90761B0A}"/>
               </a:ext>
             </a:extLst>
           </p:cNvPr>
@@ -2902,7 +2902,7 @@
             </a:lvl1pPr>
           </a:lstStyle>
           <a:p>
-            <a:fld id="{99F0EC5E-ECF4-4500-9979-C25E4C8F04D1}" type="datetimeFigureOut">
+            <a:fld id="{BE59B0F9-CF4C-4BB1-A8A8-E4AE1BA6CFC5}" type="datetimeFigureOut">
               <a:rPr lang="zh-CN" altLang="en-US" smtClean="0"/>
               <a:t>2024/3/10</a:t>
             </a:fld>
@@ -2915,7 +2915,7 @@
           <p:cNvPr id="5" name="页脚占位符 4">
             <a:extLst>
               <a:ext uri="{FF2B5EF4-FFF2-40B4-BE49-F238E27FC236}">
-                <a16:creationId xmlns:a16="http://schemas.microsoft.com/office/drawing/2014/main" id="{B117253B-C87F-58C1-C5A5-2C5D2A5E5006}"/>
+                <a16:creationId xmlns:a16="http://schemas.microsoft.com/office/drawing/2014/main" id="{F414DB4A-6011-ACAF-B66D-E21B988A3981}"/>
               </a:ext>
             </a:extLst>
           </p:cNvPr>
@@ -2958,7 +2958,7 @@
           <p:cNvPr id="6" name="灯片编号占位符 5">
             <a:extLst>
               <a:ext uri="{FF2B5EF4-FFF2-40B4-BE49-F238E27FC236}">
-                <a16:creationId xmlns:a16="http://schemas.microsoft.com/office/drawing/2014/main" id="{E8276CD9-31A5-5AD1-09D3-72A61C83A4A8}"/>
+                <a16:creationId xmlns:a16="http://schemas.microsoft.com/office/drawing/2014/main" id="{1E25FE8A-DD08-9D2A-6E14-3D4F1478AAD1}"/>
               </a:ext>
             </a:extLst>
           </p:cNvPr>
@@ -2992,7 +2992,7 @@
             </a:lvl1pPr>
           </a:lstStyle>
           <a:p>
-            <a:fld id="{12ED12DA-F120-4988-943F-0BA86386E470}" type="slidenum">
+            <a:fld id="{014410FD-4F9F-48F0-8953-F9ADDEC56134}" type="slidenum">
               <a:rPr lang="zh-CN" altLang="en-US" smtClean="0"/>
               <a:t>‹#›</a:t>
             </a:fld>
@@ -3003,7 +3003,7 @@
     </p:spTree>
     <p:extLst>
       <p:ext uri="{BB962C8B-B14F-4D97-AF65-F5344CB8AC3E}">
-        <p14:creationId xmlns:p14="http://schemas.microsoft.com/office/powerpoint/2010/main" val="506053890"/>
+        <p14:creationId xmlns:p14="http://schemas.microsoft.com/office/powerpoint/2010/main" val="2695249060"/>
       </p:ext>
     </p:extLst>
   </p:cSld>
@@ -3323,7 +3323,7 @@
       </p:grpSpPr>
       <p:pic>
         <p:nvPicPr>
-          <p:cNvPr id="729090" name="Picture 2" descr="711"/>
+          <p:cNvPr id="730114" name="Picture 2" descr="712"/>
           <p:cNvPicPr>
             <a:picLocks noChangeAspect="1" noChangeArrowheads="1"/>
           </p:cNvPicPr>
@@ -3345,7 +3345,7 @@
         <p:spPr bwMode="auto">
           <a:xfrm>
             <a:off x="1524000" y="0"/>
-            <a:ext cx="9144000" cy="4941888"/>
+            <a:ext cx="9144000" cy="6858000"/>
           </a:xfrm>
           <a:prstGeom prst="rect">
             <a:avLst/>
